--- a/TDI_finals.pptx
+++ b/TDI_finals.pptx
@@ -3029,8 +3029,8 @@
         </p:nvSpPr>
         <p:spPr>
           <a:xfrm>
-            <a:off x="3538599" y="956912"/>
-            <a:ext cx="5114801" cy="1325563"/>
+            <a:off x="3468459" y="939356"/>
+            <a:ext cx="5255078" cy="1325563"/>
           </a:xfrm>
           <a:prstGeom prst="rect">
             <a:avLst/>
@@ -3060,6 +3060,7 @@
             </a:lvl1pPr>
           </a:lstStyle>
           <a:p>
+            <a:pPr algn="ctr"/>
             <a:r>
               <a:rPr lang="en-US" dirty="0">
                 <a:solidFill>

--- a/TDI_finals.pptx
+++ b/TDI_finals.pptx
@@ -10,6 +10,7 @@
     <p:sldId id="259" r:id="rId4"/>
     <p:sldId id="256" r:id="rId5"/>
     <p:sldId id="257" r:id="rId6"/>
+    <p:sldId id="262" r:id="rId7"/>
   </p:sldIdLst>
   <p:sldSz cx="12192000" cy="6858000"/>
   <p:notesSz cx="6858000" cy="9144000"/>
@@ -5316,6 +5317,833 @@
 </p:sld>
 </file>
 
+<file path=ppt/slides/slide6.xml><?xml version="1.0" encoding="utf-8"?>
+<p:sld xmlns:a="http://schemas.openxmlformats.org/drawingml/2006/main" xmlns:r="http://schemas.openxmlformats.org/officeDocument/2006/relationships" xmlns:p="http://schemas.openxmlformats.org/presentationml/2006/main">
+  <p:cSld>
+    <p:spTree>
+      <p:nvGrpSpPr>
+        <p:cNvPr id="1" name=""/>
+        <p:cNvGrpSpPr/>
+        <p:nvPr/>
+      </p:nvGrpSpPr>
+      <p:grpSpPr>
+        <a:xfrm>
+          <a:off x="0" y="0"/>
+          <a:ext cx="0" cy="0"/>
+          <a:chOff x="0" y="0"/>
+          <a:chExt cx="0" cy="0"/>
+        </a:xfrm>
+      </p:grpSpPr>
+      <p:sp>
+        <p:nvSpPr>
+          <p:cNvPr id="6" name="Title 1">
+            <a:extLst>
+              <a:ext uri="{FF2B5EF4-FFF2-40B4-BE49-F238E27FC236}">
+                <a16:creationId xmlns:a16="http://schemas.microsoft.com/office/drawing/2014/main" id="{640DE1D3-36F2-4648-AF90-7621DE8D5A7A}"/>
+              </a:ext>
+            </a:extLst>
+          </p:cNvPr>
+          <p:cNvSpPr txBox="1">
+            <a:spLocks/>
+          </p:cNvSpPr>
+          <p:nvPr/>
+        </p:nvSpPr>
+        <p:spPr>
+          <a:xfrm>
+            <a:off x="468365" y="244766"/>
+            <a:ext cx="6025877" cy="872542"/>
+          </a:xfrm>
+          <a:prstGeom prst="rect">
+            <a:avLst/>
+          </a:prstGeom>
+        </p:spPr>
+        <p:txBody>
+          <a:bodyPr vert="horz" lIns="91440" tIns="45720" rIns="91440" bIns="45720" rtlCol="0" anchor="b">
+            <a:normAutofit lnSpcReduction="10000"/>
+          </a:bodyPr>
+          <a:lstStyle>
+            <a:lvl1pPr algn="ctr" defTabSz="914400" rtl="0" eaLnBrk="1" latinLnBrk="0" hangingPunct="1">
+              <a:lnSpc>
+                <a:spcPct val="90000"/>
+              </a:lnSpc>
+              <a:spcBef>
+                <a:spcPct val="0"/>
+              </a:spcBef>
+              <a:buNone/>
+              <a:defRPr sz="6000" kern="1200">
+                <a:solidFill>
+                  <a:schemeClr val="tx1"/>
+                </a:solidFill>
+                <a:latin typeface="+mj-lt"/>
+                <a:ea typeface="+mj-ea"/>
+                <a:cs typeface="+mj-cs"/>
+              </a:defRPr>
+            </a:lvl1pPr>
+          </a:lstStyle>
+          <a:p>
+            <a:pPr algn="l"/>
+            <a:r>
+              <a:rPr lang="en-US" dirty="0">
+                <a:solidFill>
+                  <a:srgbClr val="FFCC00"/>
+                </a:solidFill>
+                <a:latin typeface="+mn-lt"/>
+              </a:rPr>
+              <a:t>Takeaway</a:t>
+            </a:r>
+          </a:p>
+        </p:txBody>
+      </p:sp>
+      <p:sp>
+        <p:nvSpPr>
+          <p:cNvPr id="7" name="Content Placeholder 2">
+            <a:extLst>
+              <a:ext uri="{FF2B5EF4-FFF2-40B4-BE49-F238E27FC236}">
+                <a16:creationId xmlns:a16="http://schemas.microsoft.com/office/drawing/2014/main" id="{D713D7AB-A025-4DB6-B232-FF4B7E9D2EDF}"/>
+              </a:ext>
+            </a:extLst>
+          </p:cNvPr>
+          <p:cNvSpPr txBox="1">
+            <a:spLocks/>
+          </p:cNvSpPr>
+          <p:nvPr/>
+        </p:nvSpPr>
+        <p:spPr>
+          <a:xfrm>
+            <a:off x="838200" y="1825625"/>
+            <a:ext cx="6443628" cy="4351338"/>
+          </a:xfrm>
+          <a:prstGeom prst="rect">
+            <a:avLst/>
+          </a:prstGeom>
+        </p:spPr>
+        <p:txBody>
+          <a:bodyPr vert="horz" lIns="91440" tIns="45720" rIns="91440" bIns="45720" rtlCol="0">
+            <a:normAutofit/>
+          </a:bodyPr>
+          <a:lstStyle>
+            <a:lvl1pPr marL="0" indent="0" algn="ctr" defTabSz="914400" rtl="0" eaLnBrk="1" latinLnBrk="0" hangingPunct="1">
+              <a:lnSpc>
+                <a:spcPct val="90000"/>
+              </a:lnSpc>
+              <a:spcBef>
+                <a:spcPts val="1000"/>
+              </a:spcBef>
+              <a:buFont typeface="Arial" panose="020B0604020202020204" pitchFamily="34" charset="0"/>
+              <a:buNone/>
+              <a:defRPr sz="2400" kern="1200">
+                <a:solidFill>
+                  <a:schemeClr val="tx1"/>
+                </a:solidFill>
+                <a:latin typeface="+mn-lt"/>
+                <a:ea typeface="+mn-ea"/>
+                <a:cs typeface="+mn-cs"/>
+              </a:defRPr>
+            </a:lvl1pPr>
+            <a:lvl2pPr marL="457200" indent="0" algn="ctr" defTabSz="914400" rtl="0" eaLnBrk="1" latinLnBrk="0" hangingPunct="1">
+              <a:lnSpc>
+                <a:spcPct val="90000"/>
+              </a:lnSpc>
+              <a:spcBef>
+                <a:spcPts val="500"/>
+              </a:spcBef>
+              <a:buFont typeface="Arial" panose="020B0604020202020204" pitchFamily="34" charset="0"/>
+              <a:buNone/>
+              <a:defRPr sz="2000" kern="1200">
+                <a:solidFill>
+                  <a:schemeClr val="tx1"/>
+                </a:solidFill>
+                <a:latin typeface="+mn-lt"/>
+                <a:ea typeface="+mn-ea"/>
+                <a:cs typeface="+mn-cs"/>
+              </a:defRPr>
+            </a:lvl2pPr>
+            <a:lvl3pPr marL="914400" indent="0" algn="ctr" defTabSz="914400" rtl="0" eaLnBrk="1" latinLnBrk="0" hangingPunct="1">
+              <a:lnSpc>
+                <a:spcPct val="90000"/>
+              </a:lnSpc>
+              <a:spcBef>
+                <a:spcPts val="500"/>
+              </a:spcBef>
+              <a:buFont typeface="Arial" panose="020B0604020202020204" pitchFamily="34" charset="0"/>
+              <a:buNone/>
+              <a:defRPr sz="1800" kern="1200">
+                <a:solidFill>
+                  <a:schemeClr val="tx1"/>
+                </a:solidFill>
+                <a:latin typeface="+mn-lt"/>
+                <a:ea typeface="+mn-ea"/>
+                <a:cs typeface="+mn-cs"/>
+              </a:defRPr>
+            </a:lvl3pPr>
+            <a:lvl4pPr marL="1371600" indent="0" algn="ctr" defTabSz="914400" rtl="0" eaLnBrk="1" latinLnBrk="0" hangingPunct="1">
+              <a:lnSpc>
+                <a:spcPct val="90000"/>
+              </a:lnSpc>
+              <a:spcBef>
+                <a:spcPts val="500"/>
+              </a:spcBef>
+              <a:buFont typeface="Arial" panose="020B0604020202020204" pitchFamily="34" charset="0"/>
+              <a:buNone/>
+              <a:defRPr sz="1600" kern="1200">
+                <a:solidFill>
+                  <a:schemeClr val="tx1"/>
+                </a:solidFill>
+                <a:latin typeface="+mn-lt"/>
+                <a:ea typeface="+mn-ea"/>
+                <a:cs typeface="+mn-cs"/>
+              </a:defRPr>
+            </a:lvl4pPr>
+            <a:lvl5pPr marL="1828800" indent="0" algn="ctr" defTabSz="914400" rtl="0" eaLnBrk="1" latinLnBrk="0" hangingPunct="1">
+              <a:lnSpc>
+                <a:spcPct val="90000"/>
+              </a:lnSpc>
+              <a:spcBef>
+                <a:spcPts val="500"/>
+              </a:spcBef>
+              <a:buFont typeface="Arial" panose="020B0604020202020204" pitchFamily="34" charset="0"/>
+              <a:buNone/>
+              <a:defRPr sz="1600" kern="1200">
+                <a:solidFill>
+                  <a:schemeClr val="tx1"/>
+                </a:solidFill>
+                <a:latin typeface="+mn-lt"/>
+                <a:ea typeface="+mn-ea"/>
+                <a:cs typeface="+mn-cs"/>
+              </a:defRPr>
+            </a:lvl5pPr>
+            <a:lvl6pPr marL="2286000" indent="0" algn="ctr" defTabSz="914400" rtl="0" eaLnBrk="1" latinLnBrk="0" hangingPunct="1">
+              <a:lnSpc>
+                <a:spcPct val="90000"/>
+              </a:lnSpc>
+              <a:spcBef>
+                <a:spcPts val="500"/>
+              </a:spcBef>
+              <a:buFont typeface="Arial" panose="020B0604020202020204" pitchFamily="34" charset="0"/>
+              <a:buNone/>
+              <a:defRPr sz="1600" kern="1200">
+                <a:solidFill>
+                  <a:schemeClr val="tx1"/>
+                </a:solidFill>
+                <a:latin typeface="+mn-lt"/>
+                <a:ea typeface="+mn-ea"/>
+                <a:cs typeface="+mn-cs"/>
+              </a:defRPr>
+            </a:lvl6pPr>
+            <a:lvl7pPr marL="2743200" indent="0" algn="ctr" defTabSz="914400" rtl="0" eaLnBrk="1" latinLnBrk="0" hangingPunct="1">
+              <a:lnSpc>
+                <a:spcPct val="90000"/>
+              </a:lnSpc>
+              <a:spcBef>
+                <a:spcPts val="500"/>
+              </a:spcBef>
+              <a:buFont typeface="Arial" panose="020B0604020202020204" pitchFamily="34" charset="0"/>
+              <a:buNone/>
+              <a:defRPr sz="1600" kern="1200">
+                <a:solidFill>
+                  <a:schemeClr val="tx1"/>
+                </a:solidFill>
+                <a:latin typeface="+mn-lt"/>
+                <a:ea typeface="+mn-ea"/>
+                <a:cs typeface="+mn-cs"/>
+              </a:defRPr>
+            </a:lvl7pPr>
+            <a:lvl8pPr marL="3200400" indent="0" algn="ctr" defTabSz="914400" rtl="0" eaLnBrk="1" latinLnBrk="0" hangingPunct="1">
+              <a:lnSpc>
+                <a:spcPct val="90000"/>
+              </a:lnSpc>
+              <a:spcBef>
+                <a:spcPts val="500"/>
+              </a:spcBef>
+              <a:buFont typeface="Arial" panose="020B0604020202020204" pitchFamily="34" charset="0"/>
+              <a:buNone/>
+              <a:defRPr sz="1600" kern="1200">
+                <a:solidFill>
+                  <a:schemeClr val="tx1"/>
+                </a:solidFill>
+                <a:latin typeface="+mn-lt"/>
+                <a:ea typeface="+mn-ea"/>
+                <a:cs typeface="+mn-cs"/>
+              </a:defRPr>
+            </a:lvl8pPr>
+            <a:lvl9pPr marL="3657600" indent="0" algn="ctr" defTabSz="914400" rtl="0" eaLnBrk="1" latinLnBrk="0" hangingPunct="1">
+              <a:lnSpc>
+                <a:spcPct val="90000"/>
+              </a:lnSpc>
+              <a:spcBef>
+                <a:spcPts val="500"/>
+              </a:spcBef>
+              <a:buFont typeface="Arial" panose="020B0604020202020204" pitchFamily="34" charset="0"/>
+              <a:buNone/>
+              <a:defRPr sz="1600" kern="1200">
+                <a:solidFill>
+                  <a:schemeClr val="tx1"/>
+                </a:solidFill>
+                <a:latin typeface="+mn-lt"/>
+                <a:ea typeface="+mn-ea"/>
+                <a:cs typeface="+mn-cs"/>
+              </a:defRPr>
+            </a:lvl9pPr>
+          </a:lstStyle>
+          <a:p>
+            <a:endParaRPr lang="en-US" dirty="0"/>
+          </a:p>
+        </p:txBody>
+      </p:sp>
+      <p:sp>
+        <p:nvSpPr>
+          <p:cNvPr id="11" name="Content Placeholder 2">
+            <a:extLst>
+              <a:ext uri="{FF2B5EF4-FFF2-40B4-BE49-F238E27FC236}">
+                <a16:creationId xmlns:a16="http://schemas.microsoft.com/office/drawing/2014/main" id="{CAE7C721-240E-4E35-B61A-D4CB70AD2F45}"/>
+              </a:ext>
+            </a:extLst>
+          </p:cNvPr>
+          <p:cNvSpPr txBox="1">
+            <a:spLocks/>
+          </p:cNvSpPr>
+          <p:nvPr/>
+        </p:nvSpPr>
+        <p:spPr>
+          <a:xfrm>
+            <a:off x="838200" y="1717720"/>
+            <a:ext cx="3628121" cy="4282611"/>
+          </a:xfrm>
+          <a:prstGeom prst="rect">
+            <a:avLst/>
+          </a:prstGeom>
+        </p:spPr>
+        <p:txBody>
+          <a:bodyPr vert="horz" lIns="91440" tIns="45720" rIns="91440" bIns="45720" rtlCol="0">
+            <a:normAutofit/>
+          </a:bodyPr>
+          <a:lstStyle>
+            <a:lvl1pPr marL="0" indent="0" algn="ctr" defTabSz="914400" rtl="0" eaLnBrk="1" latinLnBrk="0" hangingPunct="1">
+              <a:lnSpc>
+                <a:spcPct val="90000"/>
+              </a:lnSpc>
+              <a:spcBef>
+                <a:spcPts val="1000"/>
+              </a:spcBef>
+              <a:buFont typeface="Arial" panose="020B0604020202020204" pitchFamily="34" charset="0"/>
+              <a:buNone/>
+              <a:defRPr sz="2400" kern="1200">
+                <a:solidFill>
+                  <a:schemeClr val="tx1"/>
+                </a:solidFill>
+                <a:latin typeface="+mn-lt"/>
+                <a:ea typeface="+mn-ea"/>
+                <a:cs typeface="+mn-cs"/>
+              </a:defRPr>
+            </a:lvl1pPr>
+            <a:lvl2pPr marL="457200" indent="0" algn="ctr" defTabSz="914400" rtl="0" eaLnBrk="1" latinLnBrk="0" hangingPunct="1">
+              <a:lnSpc>
+                <a:spcPct val="90000"/>
+              </a:lnSpc>
+              <a:spcBef>
+                <a:spcPts val="500"/>
+              </a:spcBef>
+              <a:buFont typeface="Arial" panose="020B0604020202020204" pitchFamily="34" charset="0"/>
+              <a:buNone/>
+              <a:defRPr sz="2000" kern="1200">
+                <a:solidFill>
+                  <a:schemeClr val="tx1"/>
+                </a:solidFill>
+                <a:latin typeface="+mn-lt"/>
+                <a:ea typeface="+mn-ea"/>
+                <a:cs typeface="+mn-cs"/>
+              </a:defRPr>
+            </a:lvl2pPr>
+            <a:lvl3pPr marL="914400" indent="0" algn="ctr" defTabSz="914400" rtl="0" eaLnBrk="1" latinLnBrk="0" hangingPunct="1">
+              <a:lnSpc>
+                <a:spcPct val="90000"/>
+              </a:lnSpc>
+              <a:spcBef>
+                <a:spcPts val="500"/>
+              </a:spcBef>
+              <a:buFont typeface="Arial" panose="020B0604020202020204" pitchFamily="34" charset="0"/>
+              <a:buNone/>
+              <a:defRPr sz="1800" kern="1200">
+                <a:solidFill>
+                  <a:schemeClr val="tx1"/>
+                </a:solidFill>
+                <a:latin typeface="+mn-lt"/>
+                <a:ea typeface="+mn-ea"/>
+                <a:cs typeface="+mn-cs"/>
+              </a:defRPr>
+            </a:lvl3pPr>
+            <a:lvl4pPr marL="1371600" indent="0" algn="ctr" defTabSz="914400" rtl="0" eaLnBrk="1" latinLnBrk="0" hangingPunct="1">
+              <a:lnSpc>
+                <a:spcPct val="90000"/>
+              </a:lnSpc>
+              <a:spcBef>
+                <a:spcPts val="500"/>
+              </a:spcBef>
+              <a:buFont typeface="Arial" panose="020B0604020202020204" pitchFamily="34" charset="0"/>
+              <a:buNone/>
+              <a:defRPr sz="1600" kern="1200">
+                <a:solidFill>
+                  <a:schemeClr val="tx1"/>
+                </a:solidFill>
+                <a:latin typeface="+mn-lt"/>
+                <a:ea typeface="+mn-ea"/>
+                <a:cs typeface="+mn-cs"/>
+              </a:defRPr>
+            </a:lvl4pPr>
+            <a:lvl5pPr marL="1828800" indent="0" algn="ctr" defTabSz="914400" rtl="0" eaLnBrk="1" latinLnBrk="0" hangingPunct="1">
+              <a:lnSpc>
+                <a:spcPct val="90000"/>
+              </a:lnSpc>
+              <a:spcBef>
+                <a:spcPts val="500"/>
+              </a:spcBef>
+              <a:buFont typeface="Arial" panose="020B0604020202020204" pitchFamily="34" charset="0"/>
+              <a:buNone/>
+              <a:defRPr sz="1600" kern="1200">
+                <a:solidFill>
+                  <a:schemeClr val="tx1"/>
+                </a:solidFill>
+                <a:latin typeface="+mn-lt"/>
+                <a:ea typeface="+mn-ea"/>
+                <a:cs typeface="+mn-cs"/>
+              </a:defRPr>
+            </a:lvl5pPr>
+            <a:lvl6pPr marL="2286000" indent="0" algn="ctr" defTabSz="914400" rtl="0" eaLnBrk="1" latinLnBrk="0" hangingPunct="1">
+              <a:lnSpc>
+                <a:spcPct val="90000"/>
+              </a:lnSpc>
+              <a:spcBef>
+                <a:spcPts val="500"/>
+              </a:spcBef>
+              <a:buFont typeface="Arial" panose="020B0604020202020204" pitchFamily="34" charset="0"/>
+              <a:buNone/>
+              <a:defRPr sz="1600" kern="1200">
+                <a:solidFill>
+                  <a:schemeClr val="tx1"/>
+                </a:solidFill>
+                <a:latin typeface="+mn-lt"/>
+                <a:ea typeface="+mn-ea"/>
+                <a:cs typeface="+mn-cs"/>
+              </a:defRPr>
+            </a:lvl6pPr>
+            <a:lvl7pPr marL="2743200" indent="0" algn="ctr" defTabSz="914400" rtl="0" eaLnBrk="1" latinLnBrk="0" hangingPunct="1">
+              <a:lnSpc>
+                <a:spcPct val="90000"/>
+              </a:lnSpc>
+              <a:spcBef>
+                <a:spcPts val="500"/>
+              </a:spcBef>
+              <a:buFont typeface="Arial" panose="020B0604020202020204" pitchFamily="34" charset="0"/>
+              <a:buNone/>
+              <a:defRPr sz="1600" kern="1200">
+                <a:solidFill>
+                  <a:schemeClr val="tx1"/>
+                </a:solidFill>
+                <a:latin typeface="+mn-lt"/>
+                <a:ea typeface="+mn-ea"/>
+                <a:cs typeface="+mn-cs"/>
+              </a:defRPr>
+            </a:lvl7pPr>
+            <a:lvl8pPr marL="3200400" indent="0" algn="ctr" defTabSz="914400" rtl="0" eaLnBrk="1" latinLnBrk="0" hangingPunct="1">
+              <a:lnSpc>
+                <a:spcPct val="90000"/>
+              </a:lnSpc>
+              <a:spcBef>
+                <a:spcPts val="500"/>
+              </a:spcBef>
+              <a:buFont typeface="Arial" panose="020B0604020202020204" pitchFamily="34" charset="0"/>
+              <a:buNone/>
+              <a:defRPr sz="1600" kern="1200">
+                <a:solidFill>
+                  <a:schemeClr val="tx1"/>
+                </a:solidFill>
+                <a:latin typeface="+mn-lt"/>
+                <a:ea typeface="+mn-ea"/>
+                <a:cs typeface="+mn-cs"/>
+              </a:defRPr>
+            </a:lvl8pPr>
+            <a:lvl9pPr marL="3657600" indent="0" algn="ctr" defTabSz="914400" rtl="0" eaLnBrk="1" latinLnBrk="0" hangingPunct="1">
+              <a:lnSpc>
+                <a:spcPct val="90000"/>
+              </a:lnSpc>
+              <a:spcBef>
+                <a:spcPts val="500"/>
+              </a:spcBef>
+              <a:buFont typeface="Arial" panose="020B0604020202020204" pitchFamily="34" charset="0"/>
+              <a:buNone/>
+              <a:defRPr sz="1600" kern="1200">
+                <a:solidFill>
+                  <a:schemeClr val="tx1"/>
+                </a:solidFill>
+                <a:latin typeface="+mn-lt"/>
+                <a:ea typeface="+mn-ea"/>
+                <a:cs typeface="+mn-cs"/>
+              </a:defRPr>
+            </a:lvl9pPr>
+          </a:lstStyle>
+          <a:p>
+            <a:pPr marL="342900" indent="-342900" algn="l">
+              <a:buFont typeface="Arial" panose="020B0604020202020204" pitchFamily="34" charset="0"/>
+              <a:buChar char="•"/>
+            </a:pPr>
+            <a:r>
+              <a:rPr lang="en-US" dirty="0"/>
+              <a:t>Create app that makes it easier for users to view their progress.</a:t>
+            </a:r>
+          </a:p>
+          <a:p>
+            <a:pPr marL="342900" indent="-342900" algn="l">
+              <a:buFont typeface="Arial" panose="020B0604020202020204" pitchFamily="34" charset="0"/>
+              <a:buChar char="•"/>
+            </a:pPr>
+            <a:endParaRPr lang="en-US" dirty="0"/>
+          </a:p>
+          <a:p>
+            <a:pPr marL="342900" indent="-342900" algn="l">
+              <a:buFont typeface="Arial" panose="020B0604020202020204" pitchFamily="34" charset="0"/>
+              <a:buChar char="•"/>
+            </a:pPr>
+            <a:r>
+              <a:rPr lang="en-US" dirty="0"/>
+              <a:t>Build a computational model to predict success based on recent trial history.</a:t>
+            </a:r>
+          </a:p>
+          <a:p>
+            <a:pPr algn="l"/>
+            <a:endParaRPr lang="en-US" dirty="0"/>
+          </a:p>
+          <a:p>
+            <a:pPr marL="342900" indent="-342900" algn="l">
+              <a:buFont typeface="Arial" panose="020B0604020202020204" pitchFamily="34" charset="0"/>
+              <a:buChar char="•"/>
+            </a:pPr>
+            <a:endParaRPr lang="en-US" dirty="0"/>
+          </a:p>
+        </p:txBody>
+      </p:sp>
+      <p:sp>
+        <p:nvSpPr>
+          <p:cNvPr id="8" name="Content Placeholder 2">
+            <a:extLst>
+              <a:ext uri="{FF2B5EF4-FFF2-40B4-BE49-F238E27FC236}">
+                <a16:creationId xmlns:a16="http://schemas.microsoft.com/office/drawing/2014/main" id="{F40770A5-9D97-4A3D-B153-6A9945C1550D}"/>
+              </a:ext>
+            </a:extLst>
+          </p:cNvPr>
+          <p:cNvSpPr txBox="1">
+            <a:spLocks/>
+          </p:cNvSpPr>
+          <p:nvPr/>
+        </p:nvSpPr>
+        <p:spPr>
+          <a:xfrm>
+            <a:off x="9174692" y="6176963"/>
+            <a:ext cx="2754086" cy="558140"/>
+          </a:xfrm>
+          <a:prstGeom prst="rect">
+            <a:avLst/>
+          </a:prstGeom>
+        </p:spPr>
+        <p:txBody>
+          <a:bodyPr vert="horz" lIns="91440" tIns="45720" rIns="91440" bIns="45720" rtlCol="0">
+            <a:normAutofit/>
+          </a:bodyPr>
+          <a:lstStyle>
+            <a:lvl1pPr marL="228600" indent="-228600" algn="l" defTabSz="914400" rtl="0" eaLnBrk="1" latinLnBrk="0" hangingPunct="1">
+              <a:lnSpc>
+                <a:spcPct val="90000"/>
+              </a:lnSpc>
+              <a:spcBef>
+                <a:spcPts val="1000"/>
+              </a:spcBef>
+              <a:buFont typeface="Arial" panose="020B0604020202020204" pitchFamily="34" charset="0"/>
+              <a:buChar char="•"/>
+              <a:defRPr sz="2800" kern="1200">
+                <a:solidFill>
+                  <a:schemeClr val="tx1"/>
+                </a:solidFill>
+                <a:latin typeface="+mn-lt"/>
+                <a:ea typeface="+mn-ea"/>
+                <a:cs typeface="+mn-cs"/>
+              </a:defRPr>
+            </a:lvl1pPr>
+            <a:lvl2pPr marL="685800" indent="-228600" algn="l" defTabSz="914400" rtl="0" eaLnBrk="1" latinLnBrk="0" hangingPunct="1">
+              <a:lnSpc>
+                <a:spcPct val="90000"/>
+              </a:lnSpc>
+              <a:spcBef>
+                <a:spcPts val="500"/>
+              </a:spcBef>
+              <a:buFont typeface="Arial" panose="020B0604020202020204" pitchFamily="34" charset="0"/>
+              <a:buChar char="•"/>
+              <a:defRPr sz="2400" kern="1200">
+                <a:solidFill>
+                  <a:schemeClr val="tx1"/>
+                </a:solidFill>
+                <a:latin typeface="+mn-lt"/>
+                <a:ea typeface="+mn-ea"/>
+                <a:cs typeface="+mn-cs"/>
+              </a:defRPr>
+            </a:lvl2pPr>
+            <a:lvl3pPr marL="1143000" indent="-228600" algn="l" defTabSz="914400" rtl="0" eaLnBrk="1" latinLnBrk="0" hangingPunct="1">
+              <a:lnSpc>
+                <a:spcPct val="90000"/>
+              </a:lnSpc>
+              <a:spcBef>
+                <a:spcPts val="500"/>
+              </a:spcBef>
+              <a:buFont typeface="Arial" panose="020B0604020202020204" pitchFamily="34" charset="0"/>
+              <a:buChar char="•"/>
+              <a:defRPr sz="2000" kern="1200">
+                <a:solidFill>
+                  <a:schemeClr val="tx1"/>
+                </a:solidFill>
+                <a:latin typeface="+mn-lt"/>
+                <a:ea typeface="+mn-ea"/>
+                <a:cs typeface="+mn-cs"/>
+              </a:defRPr>
+            </a:lvl3pPr>
+            <a:lvl4pPr marL="1600200" indent="-228600" algn="l" defTabSz="914400" rtl="0" eaLnBrk="1" latinLnBrk="0" hangingPunct="1">
+              <a:lnSpc>
+                <a:spcPct val="90000"/>
+              </a:lnSpc>
+              <a:spcBef>
+                <a:spcPts val="500"/>
+              </a:spcBef>
+              <a:buFont typeface="Arial" panose="020B0604020202020204" pitchFamily="34" charset="0"/>
+              <a:buChar char="•"/>
+              <a:defRPr sz="1800" kern="1200">
+                <a:solidFill>
+                  <a:schemeClr val="tx1"/>
+                </a:solidFill>
+                <a:latin typeface="+mn-lt"/>
+                <a:ea typeface="+mn-ea"/>
+                <a:cs typeface="+mn-cs"/>
+              </a:defRPr>
+            </a:lvl4pPr>
+            <a:lvl5pPr marL="2057400" indent="-228600" algn="l" defTabSz="914400" rtl="0" eaLnBrk="1" latinLnBrk="0" hangingPunct="1">
+              <a:lnSpc>
+                <a:spcPct val="90000"/>
+              </a:lnSpc>
+              <a:spcBef>
+                <a:spcPts val="500"/>
+              </a:spcBef>
+              <a:buFont typeface="Arial" panose="020B0604020202020204" pitchFamily="34" charset="0"/>
+              <a:buChar char="•"/>
+              <a:defRPr sz="1800" kern="1200">
+                <a:solidFill>
+                  <a:schemeClr val="tx1"/>
+                </a:solidFill>
+                <a:latin typeface="+mn-lt"/>
+                <a:ea typeface="+mn-ea"/>
+                <a:cs typeface="+mn-cs"/>
+              </a:defRPr>
+            </a:lvl5pPr>
+            <a:lvl6pPr marL="2514600" indent="-228600" algn="l" defTabSz="914400" rtl="0" eaLnBrk="1" latinLnBrk="0" hangingPunct="1">
+              <a:lnSpc>
+                <a:spcPct val="90000"/>
+              </a:lnSpc>
+              <a:spcBef>
+                <a:spcPts val="500"/>
+              </a:spcBef>
+              <a:buFont typeface="Arial" panose="020B0604020202020204" pitchFamily="34" charset="0"/>
+              <a:buChar char="•"/>
+              <a:defRPr sz="1800" kern="1200">
+                <a:solidFill>
+                  <a:schemeClr val="tx1"/>
+                </a:solidFill>
+                <a:latin typeface="+mn-lt"/>
+                <a:ea typeface="+mn-ea"/>
+                <a:cs typeface="+mn-cs"/>
+              </a:defRPr>
+            </a:lvl6pPr>
+            <a:lvl7pPr marL="2971800" indent="-228600" algn="l" defTabSz="914400" rtl="0" eaLnBrk="1" latinLnBrk="0" hangingPunct="1">
+              <a:lnSpc>
+                <a:spcPct val="90000"/>
+              </a:lnSpc>
+              <a:spcBef>
+                <a:spcPts val="500"/>
+              </a:spcBef>
+              <a:buFont typeface="Arial" panose="020B0604020202020204" pitchFamily="34" charset="0"/>
+              <a:buChar char="•"/>
+              <a:defRPr sz="1800" kern="1200">
+                <a:solidFill>
+                  <a:schemeClr val="tx1"/>
+                </a:solidFill>
+                <a:latin typeface="+mn-lt"/>
+                <a:ea typeface="+mn-ea"/>
+                <a:cs typeface="+mn-cs"/>
+              </a:defRPr>
+            </a:lvl7pPr>
+            <a:lvl8pPr marL="3429000" indent="-228600" algn="l" defTabSz="914400" rtl="0" eaLnBrk="1" latinLnBrk="0" hangingPunct="1">
+              <a:lnSpc>
+                <a:spcPct val="90000"/>
+              </a:lnSpc>
+              <a:spcBef>
+                <a:spcPts val="500"/>
+              </a:spcBef>
+              <a:buFont typeface="Arial" panose="020B0604020202020204" pitchFamily="34" charset="0"/>
+              <a:buChar char="•"/>
+              <a:defRPr sz="1800" kern="1200">
+                <a:solidFill>
+                  <a:schemeClr val="tx1"/>
+                </a:solidFill>
+                <a:latin typeface="+mn-lt"/>
+                <a:ea typeface="+mn-ea"/>
+                <a:cs typeface="+mn-cs"/>
+              </a:defRPr>
+            </a:lvl8pPr>
+            <a:lvl9pPr marL="3886200" indent="-228600" algn="l" defTabSz="914400" rtl="0" eaLnBrk="1" latinLnBrk="0" hangingPunct="1">
+              <a:lnSpc>
+                <a:spcPct val="90000"/>
+              </a:lnSpc>
+              <a:spcBef>
+                <a:spcPts val="500"/>
+              </a:spcBef>
+              <a:buFont typeface="Arial" panose="020B0604020202020204" pitchFamily="34" charset="0"/>
+              <a:buChar char="•"/>
+              <a:defRPr sz="1800" kern="1200">
+                <a:solidFill>
+                  <a:schemeClr val="tx1"/>
+                </a:solidFill>
+                <a:latin typeface="+mn-lt"/>
+                <a:ea typeface="+mn-ea"/>
+                <a:cs typeface="+mn-cs"/>
+              </a:defRPr>
+            </a:lvl9pPr>
+          </a:lstStyle>
+          <a:p>
+            <a:pPr marL="0" indent="0">
+              <a:buFont typeface="Arial" panose="020B0604020202020204" pitchFamily="34" charset="0"/>
+              <a:buNone/>
+            </a:pPr>
+            <a:r>
+              <a:rPr lang="en-US"/>
+              <a:t>Garrick Bruening</a:t>
+            </a:r>
+            <a:endParaRPr lang="en-US" dirty="0"/>
+          </a:p>
+        </p:txBody>
+      </p:sp>
+      <p:pic>
+        <p:nvPicPr>
+          <p:cNvPr id="9" name="Picture 8" descr="A screenshot of a computer&#10;&#10;Description automatically generated">
+            <a:extLst>
+              <a:ext uri="{FF2B5EF4-FFF2-40B4-BE49-F238E27FC236}">
+                <a16:creationId xmlns:a16="http://schemas.microsoft.com/office/drawing/2014/main" id="{A2343EE7-BEF8-40B5-B6F0-1599DEBC51D8}"/>
+              </a:ext>
+            </a:extLst>
+          </p:cNvPr>
+          <p:cNvPicPr>
+            <a:picLocks noChangeAspect="1"/>
+          </p:cNvPicPr>
+          <p:nvPr/>
+        </p:nvPicPr>
+        <p:blipFill>
+          <a:blip r:embed="rId2"/>
+          <a:stretch>
+            <a:fillRect/>
+          </a:stretch>
+        </p:blipFill>
+        <p:spPr>
+          <a:xfrm>
+            <a:off x="6096000" y="1225213"/>
+            <a:ext cx="4843050" cy="1325563"/>
+          </a:xfrm>
+          <a:prstGeom prst="rect">
+            <a:avLst/>
+          </a:prstGeom>
+        </p:spPr>
+      </p:pic>
+      <p:pic>
+        <p:nvPicPr>
+          <p:cNvPr id="10" name="Picture 9" descr="Graphical user interface&#10;&#10;Description automatically generated">
+            <a:extLst>
+              <a:ext uri="{FF2B5EF4-FFF2-40B4-BE49-F238E27FC236}">
+                <a16:creationId xmlns:a16="http://schemas.microsoft.com/office/drawing/2014/main" id="{719859C6-7B55-4AFB-905E-7D132F4B4D8A}"/>
+              </a:ext>
+            </a:extLst>
+          </p:cNvPr>
+          <p:cNvPicPr>
+            <a:picLocks noChangeAspect="1"/>
+          </p:cNvPicPr>
+          <p:nvPr/>
+        </p:nvPicPr>
+        <p:blipFill rotWithShape="1">
+          <a:blip r:embed="rId3">
+            <a:extLst>
+              <a:ext uri="{28A0092B-C50C-407E-A947-70E740481C1C}">
+                <a14:useLocalDpi xmlns:a14="http://schemas.microsoft.com/office/drawing/2010/main" val="0"/>
+              </a:ext>
+            </a:extLst>
+          </a:blip>
+          <a:srcRect l="-472" t="36070" r="73077" b="31505"/>
+          <a:stretch/>
+        </p:blipFill>
+        <p:spPr>
+          <a:xfrm>
+            <a:off x="7117036" y="3429000"/>
+            <a:ext cx="2357865" cy="2076118"/>
+          </a:xfrm>
+          <a:prstGeom prst="rect">
+            <a:avLst/>
+          </a:prstGeom>
+        </p:spPr>
+      </p:pic>
+      <p:cxnSp>
+        <p:nvCxnSpPr>
+          <p:cNvPr id="3" name="Straight Arrow Connector 2">
+            <a:extLst>
+              <a:ext uri="{FF2B5EF4-FFF2-40B4-BE49-F238E27FC236}">
+                <a16:creationId xmlns:a16="http://schemas.microsoft.com/office/drawing/2014/main" id="{A61D3D0C-AA59-45EE-AF5E-943686570535}"/>
+              </a:ext>
+            </a:extLst>
+          </p:cNvPr>
+          <p:cNvCxnSpPr>
+            <a:cxnSpLocks/>
+          </p:cNvCxnSpPr>
+          <p:nvPr/>
+        </p:nvCxnSpPr>
+        <p:spPr>
+          <a:xfrm flipH="1">
+            <a:off x="8288977" y="2713512"/>
+            <a:ext cx="6991" cy="585249"/>
+          </a:xfrm>
+          <a:prstGeom prst="straightConnector1">
+            <a:avLst/>
+          </a:prstGeom>
+          <a:ln>
+            <a:tailEnd type="triangle"/>
+          </a:ln>
+        </p:spPr>
+        <p:style>
+          <a:lnRef idx="3">
+            <a:schemeClr val="accent5"/>
+          </a:lnRef>
+          <a:fillRef idx="0">
+            <a:schemeClr val="accent5"/>
+          </a:fillRef>
+          <a:effectRef idx="2">
+            <a:schemeClr val="accent5"/>
+          </a:effectRef>
+          <a:fontRef idx="minor">
+            <a:schemeClr val="tx1"/>
+          </a:fontRef>
+        </p:style>
+      </p:cxnSp>
+    </p:spTree>
+    <p:extLst>
+      <p:ext uri="{BB962C8B-B14F-4D97-AF65-F5344CB8AC3E}">
+        <p14:creationId xmlns:p14="http://schemas.microsoft.com/office/powerpoint/2010/main" val="1194802148"/>
+      </p:ext>
+    </p:extLst>
+  </p:cSld>
+  <p:clrMapOvr>
+    <a:masterClrMapping/>
+  </p:clrMapOvr>
+</p:sld>
+</file>
+
 <file path=ppt/theme/theme1.xml><?xml version="1.0" encoding="utf-8"?>
 <a:theme xmlns:a="http://schemas.openxmlformats.org/drawingml/2006/main" name="Office Theme">
   <a:themeElements>
